--- a/한국과학창의재단 메이커 지원사업/(양식)메이커_성과발표회_포스터.pptx
+++ b/한국과학창의재단 메이커 지원사업/(양식)메이커_성과발표회_포스터.pptx
@@ -111,7 +111,7 @@
   <p:extLst>
     <p:ext uri="{EFAFB233-063F-42B5-8137-9DF3F51BA10A}">
       <p15:sldGuideLst xmlns:p15="http://schemas.microsoft.com/office/powerpoint/2012/main">
-        <p15:guide id="1" orient="horz" pos="13482" userDrawn="1">
+        <p15:guide id="1" orient="horz" pos="13438" userDrawn="1">
           <p15:clr>
             <a:srgbClr val="A4A3A4"/>
           </p15:clr>
@@ -220,7 +220,7 @@
             <a:fld id="{89F540F2-6C98-43A4-BF6B-ED22835B0F75}" type="datetimeFigureOut">
               <a:rPr lang="ko-KR" altLang="en-US" smtClean="0"/>
               <a:pPr/>
-              <a:t>2018-12-05</a:t>
+              <a:t>2018-12-10</a:t>
             </a:fld>
             <a:endParaRPr lang="ko-KR" altLang="en-US"/>
           </a:p>
@@ -1346,7 +1346,7 @@
             <a:fld id="{FBEA8DD6-B331-4CA5-94D5-51ABFC6C8658}" type="datetimeFigureOut">
               <a:rPr lang="ko-KR" altLang="en-US" smtClean="0"/>
               <a:pPr/>
-              <a:t>2018-12-05</a:t>
+              <a:t>2018-12-10</a:t>
             </a:fld>
             <a:endParaRPr lang="ko-KR" altLang="en-US"/>
           </a:p>
@@ -1526,7 +1526,7 @@
             <a:fld id="{FBEA8DD6-B331-4CA5-94D5-51ABFC6C8658}" type="datetimeFigureOut">
               <a:rPr lang="ko-KR" altLang="en-US" smtClean="0"/>
               <a:pPr/>
-              <a:t>2018-12-05</a:t>
+              <a:t>2018-12-10</a:t>
             </a:fld>
             <a:endParaRPr lang="ko-KR" altLang="en-US"/>
           </a:p>
@@ -2989,7 +2989,7 @@
             <a:fld id="{FBEA8DD6-B331-4CA5-94D5-51ABFC6C8658}" type="datetimeFigureOut">
               <a:rPr lang="ko-KR" altLang="en-US" smtClean="0"/>
               <a:pPr/>
-              <a:t>2018-12-05</a:t>
+              <a:t>2018-12-10</a:t>
             </a:fld>
             <a:endParaRPr lang="ko-KR" altLang="en-US"/>
           </a:p>
@@ -3415,7 +3415,7 @@
             <a:fld id="{FBEA8DD6-B331-4CA5-94D5-51ABFC6C8658}" type="datetimeFigureOut">
               <a:rPr lang="ko-KR" altLang="en-US" smtClean="0"/>
               <a:pPr/>
-              <a:t>2018-12-05</a:t>
+              <a:t>2018-12-10</a:t>
             </a:fld>
             <a:endParaRPr lang="ko-KR" altLang="en-US"/>
           </a:p>
@@ -3534,7 +3534,7 @@
             <a:fld id="{FBEA8DD6-B331-4CA5-94D5-51ABFC6C8658}" type="datetimeFigureOut">
               <a:rPr lang="ko-KR" altLang="en-US" smtClean="0"/>
               <a:pPr/>
-              <a:t>2018-12-05</a:t>
+              <a:t>2018-12-10</a:t>
             </a:fld>
             <a:endParaRPr lang="ko-KR" altLang="en-US"/>
           </a:p>
@@ -3631,7 +3631,7 @@
             <a:fld id="{FBEA8DD6-B331-4CA5-94D5-51ABFC6C8658}" type="datetimeFigureOut">
               <a:rPr lang="ko-KR" altLang="en-US" smtClean="0"/>
               <a:pPr/>
-              <a:t>2018-12-05</a:t>
+              <a:t>2018-12-10</a:t>
             </a:fld>
             <a:endParaRPr lang="ko-KR" altLang="en-US"/>
           </a:p>
@@ -3908,7 +3908,7 @@
             <a:fld id="{FBEA8DD6-B331-4CA5-94D5-51ABFC6C8658}" type="datetimeFigureOut">
               <a:rPr lang="ko-KR" altLang="en-US" smtClean="0"/>
               <a:pPr/>
-              <a:t>2018-12-05</a:t>
+              <a:t>2018-12-10</a:t>
             </a:fld>
             <a:endParaRPr lang="ko-KR" altLang="en-US"/>
           </a:p>
@@ -4162,7 +4162,7 @@
             <a:fld id="{FBEA8DD6-B331-4CA5-94D5-51ABFC6C8658}" type="datetimeFigureOut">
               <a:rPr lang="ko-KR" altLang="en-US" smtClean="0"/>
               <a:pPr/>
-              <a:t>2018-12-05</a:t>
+              <a:t>2018-12-10</a:t>
             </a:fld>
             <a:endParaRPr lang="ko-KR" altLang="en-US"/>
           </a:p>
@@ -4375,7 +4375,7 @@
             <a:fld id="{FBEA8DD6-B331-4CA5-94D5-51ABFC6C8658}" type="datetimeFigureOut">
               <a:rPr lang="ko-KR" altLang="en-US" smtClean="0"/>
               <a:pPr/>
-              <a:t>2018-12-05</a:t>
+              <a:t>2018-12-10</a:t>
             </a:fld>
             <a:endParaRPr lang="ko-KR" altLang="en-US"/>
           </a:p>
@@ -5103,7 +5103,7 @@
             <p:cNvPr id="103" name="직사각형 102">
               <a:extLst>
                 <a:ext uri="{FF2B5EF4-FFF2-40B4-BE49-F238E27FC236}">
-                  <a16:creationId xmlns="" xmlns:a16="http://schemas.microsoft.com/office/drawing/2014/main" id="{D99E34DB-B989-4FDD-B91D-971B17587C2F}"/>
+                  <a16:creationId xmlns:a16="http://schemas.microsoft.com/office/drawing/2014/main" xmlns="" id="{D99E34DB-B989-4FDD-B91D-971B17587C2F}"/>
                 </a:ext>
               </a:extLst>
             </p:cNvPr>
@@ -5153,7 +5153,7 @@
             <p:cNvPr id="104" name="직사각형 103">
               <a:extLst>
                 <a:ext uri="{FF2B5EF4-FFF2-40B4-BE49-F238E27FC236}">
-                  <a16:creationId xmlns="" xmlns:a16="http://schemas.microsoft.com/office/drawing/2014/main" id="{05931AA7-0071-4ECE-AF45-CAB9C095BF17}"/>
+                  <a16:creationId xmlns:a16="http://schemas.microsoft.com/office/drawing/2014/main" xmlns="" id="{05931AA7-0071-4ECE-AF45-CAB9C095BF17}"/>
                 </a:ext>
               </a:extLst>
             </p:cNvPr>
@@ -5199,7 +5199,7 @@
             <p:cNvPr id="105" name="직사각형 104">
               <a:extLst>
                 <a:ext uri="{FF2B5EF4-FFF2-40B4-BE49-F238E27FC236}">
-                  <a16:creationId xmlns="" xmlns:a16="http://schemas.microsoft.com/office/drawing/2014/main" id="{093F89D7-C34F-4DE9-AC7D-F5F6755D8AAA}"/>
+                  <a16:creationId xmlns:a16="http://schemas.microsoft.com/office/drawing/2014/main" xmlns="" id="{093F89D7-C34F-4DE9-AC7D-F5F6755D8AAA}"/>
                 </a:ext>
               </a:extLst>
             </p:cNvPr>
@@ -5883,7 +5883,7 @@
           <p:cNvPr id="138" name="직사각형 137">
             <a:extLst>
               <a:ext uri="{FF2B5EF4-FFF2-40B4-BE49-F238E27FC236}">
-                <a16:creationId xmlns="" xmlns:a16="http://schemas.microsoft.com/office/drawing/2014/main" id="{759586EF-0364-49DF-80B3-1C58E268C5D7}"/>
+                <a16:creationId xmlns:a16="http://schemas.microsoft.com/office/drawing/2014/main" xmlns="" id="{759586EF-0364-49DF-80B3-1C58E268C5D7}"/>
               </a:ext>
             </a:extLst>
           </p:cNvPr>
@@ -6057,7 +6057,7 @@
           <p:cNvPr id="139" name="직사각형 138">
             <a:extLst>
               <a:ext uri="{FF2B5EF4-FFF2-40B4-BE49-F238E27FC236}">
-                <a16:creationId xmlns="" xmlns:a16="http://schemas.microsoft.com/office/drawing/2014/main" id="{DFA931B9-CBEA-4B20-BD2B-660DCF94D5BA}"/>
+                <a16:creationId xmlns:a16="http://schemas.microsoft.com/office/drawing/2014/main" xmlns="" id="{DFA931B9-CBEA-4B20-BD2B-660DCF94D5BA}"/>
               </a:ext>
             </a:extLst>
           </p:cNvPr>
@@ -6111,7 +6111,7 @@
           <p:cNvPr id="140" name="직사각형 139">
             <a:extLst>
               <a:ext uri="{FF2B5EF4-FFF2-40B4-BE49-F238E27FC236}">
-                <a16:creationId xmlns="" xmlns:a16="http://schemas.microsoft.com/office/drawing/2014/main" id="{EE82F3CA-8317-4759-A5D1-04C0CEDBC79B}"/>
+                <a16:creationId xmlns:a16="http://schemas.microsoft.com/office/drawing/2014/main" xmlns="" id="{EE82F3CA-8317-4759-A5D1-04C0CEDBC79B}"/>
               </a:ext>
             </a:extLst>
           </p:cNvPr>
@@ -6157,7 +6157,7 @@
           <p:cNvPr id="141" name="화살표: 오른쪽 1046">
             <a:extLst>
               <a:ext uri="{FF2B5EF4-FFF2-40B4-BE49-F238E27FC236}">
-                <a16:creationId xmlns="" xmlns:a16="http://schemas.microsoft.com/office/drawing/2014/main" id="{94EAC1AB-2D8F-4BF0-BE96-2291A19E587C}"/>
+                <a16:creationId xmlns:a16="http://schemas.microsoft.com/office/drawing/2014/main" xmlns="" id="{94EAC1AB-2D8F-4BF0-BE96-2291A19E587C}"/>
               </a:ext>
             </a:extLst>
           </p:cNvPr>
@@ -6203,7 +6203,7 @@
           <p:cNvPr id="142" name="직사각형 141">
             <a:extLst>
               <a:ext uri="{FF2B5EF4-FFF2-40B4-BE49-F238E27FC236}">
-                <a16:creationId xmlns="" xmlns:a16="http://schemas.microsoft.com/office/drawing/2014/main" id="{3C5F9EFB-7ABA-4F39-97B9-57A5502661A9}"/>
+                <a16:creationId xmlns:a16="http://schemas.microsoft.com/office/drawing/2014/main" xmlns="" id="{3C5F9EFB-7ABA-4F39-97B9-57A5502661A9}"/>
               </a:ext>
             </a:extLst>
           </p:cNvPr>
@@ -6257,7 +6257,7 @@
           <p:cNvPr id="147" name="직사각형 146">
             <a:extLst>
               <a:ext uri="{FF2B5EF4-FFF2-40B4-BE49-F238E27FC236}">
-                <a16:creationId xmlns="" xmlns:a16="http://schemas.microsoft.com/office/drawing/2014/main" id="{17055345-B5CA-4C34-8B8E-460FA299394F}"/>
+                <a16:creationId xmlns:a16="http://schemas.microsoft.com/office/drawing/2014/main" xmlns="" id="{17055345-B5CA-4C34-8B8E-460FA299394F}"/>
               </a:ext>
             </a:extLst>
           </p:cNvPr>
@@ -6327,7 +6327,7 @@
           <p:cNvPr id="148" name="직사각형 147">
             <a:extLst>
               <a:ext uri="{FF2B5EF4-FFF2-40B4-BE49-F238E27FC236}">
-                <a16:creationId xmlns="" xmlns:a16="http://schemas.microsoft.com/office/drawing/2014/main" id="{3BC1CD9D-BB16-4EA9-877D-6DEA0F9E7522}"/>
+                <a16:creationId xmlns:a16="http://schemas.microsoft.com/office/drawing/2014/main" xmlns="" id="{3BC1CD9D-BB16-4EA9-877D-6DEA0F9E7522}"/>
               </a:ext>
             </a:extLst>
           </p:cNvPr>
@@ -6713,96 +6713,6 @@
           </a:p>
         </p:txBody>
       </p:sp>
-      <p:grpSp>
-        <p:nvGrpSpPr>
-          <p:cNvPr id="163" name="그룹 162"/>
-          <p:cNvGrpSpPr/>
-          <p:nvPr/>
-        </p:nvGrpSpPr>
-        <p:grpSpPr>
-          <a:xfrm>
-            <a:off x="11662806" y="17554796"/>
-            <a:ext cx="8201745" cy="4390800"/>
-            <a:chOff x="6734556" y="20840700"/>
-            <a:chExt cx="8001000" cy="2971800"/>
-          </a:xfrm>
-        </p:grpSpPr>
-        <p:sp>
-          <p:nvSpPr>
-            <p:cNvPr id="164" name="직사각형 163"/>
-            <p:cNvSpPr/>
-            <p:nvPr/>
-          </p:nvSpPr>
-          <p:spPr>
-            <a:xfrm>
-              <a:off x="6734556" y="20840700"/>
-              <a:ext cx="8001000" cy="2971800"/>
-            </a:xfrm>
-            <a:prstGeom prst="rect">
-              <a:avLst/>
-            </a:prstGeom>
-            <a:noFill/>
-            <a:ln>
-              <a:solidFill>
-                <a:srgbClr val="002060"/>
-              </a:solidFill>
-            </a:ln>
-          </p:spPr>
-          <p:style>
-            <a:lnRef idx="2">
-              <a:schemeClr val="accent1">
-                <a:shade val="50000"/>
-              </a:schemeClr>
-            </a:lnRef>
-            <a:fillRef idx="1">
-              <a:schemeClr val="accent1"/>
-            </a:fillRef>
-            <a:effectRef idx="0">
-              <a:schemeClr val="accent1"/>
-            </a:effectRef>
-            <a:fontRef idx="minor">
-              <a:schemeClr val="lt1"/>
-            </a:fontRef>
-          </p:style>
-          <p:txBody>
-            <a:bodyPr rtlCol="0" anchor="ctr"/>
-            <a:lstStyle/>
-            <a:p>
-              <a:pPr algn="ctr"/>
-              <a:endParaRPr lang="ko-KR" altLang="en-US"/>
-            </a:p>
-          </p:txBody>
-        </p:sp>
-        <p:sp>
-          <p:nvSpPr>
-            <p:cNvPr id="165" name="TextBox 164"/>
-            <p:cNvSpPr txBox="1"/>
-            <p:nvPr/>
-          </p:nvSpPr>
-          <p:spPr>
-            <a:xfrm>
-              <a:off x="9834594" y="22041696"/>
-              <a:ext cx="4118387" cy="1361955"/>
-            </a:xfrm>
-            <a:prstGeom prst="rect">
-              <a:avLst/>
-            </a:prstGeom>
-            <a:noFill/>
-          </p:spPr>
-          <p:txBody>
-            <a:bodyPr wrap="none" rtlCol="0">
-              <a:spAutoFit/>
-            </a:bodyPr>
-            <a:lstStyle/>
-            <a:p>
-              <a:r>
-                <a:rPr lang="ko-KR" altLang="en-US" dirty="0"/>
-                <a:t>사진</a:t>
-              </a:r>
-            </a:p>
-          </p:txBody>
-        </p:sp>
-      </p:grpSp>
       <p:sp>
         <p:nvSpPr>
           <p:cNvPr id="175" name="직사각형 174"/>
@@ -7419,7 +7329,7 @@
           <p:cNvPr id="191" name="직사각형 190">
             <a:extLst>
               <a:ext uri="{FF2B5EF4-FFF2-40B4-BE49-F238E27FC236}">
-                <a16:creationId xmlns="" xmlns:a16="http://schemas.microsoft.com/office/drawing/2014/main" id="{17055345-B5CA-4C34-8B8E-460FA299394F}"/>
+                <a16:creationId xmlns:a16="http://schemas.microsoft.com/office/drawing/2014/main" xmlns="" id="{17055345-B5CA-4C34-8B8E-460FA299394F}"/>
               </a:ext>
             </a:extLst>
           </p:cNvPr>
@@ -7633,20 +7543,7 @@
                 <a:latin typeface="Yoon 윤고딕 540_TT" pitchFamily="18" charset="-127"/>
                 <a:ea typeface="Yoon 윤고딕 540_TT" pitchFamily="18" charset="-127"/>
               </a:rPr>
-              <a:t>창작활동</a:t>
-            </a:r>
-            <a:r>
-              <a:rPr lang="ko-KR" altLang="en-US" sz="4000" b="1" smtClean="0">
-                <a:solidFill>
-                  <a:schemeClr val="tx1">
-                    <a:lumMod val="65000"/>
-                    <a:lumOff val="35000"/>
-                  </a:schemeClr>
-                </a:solidFill>
-                <a:latin typeface="Yoon 윤고딕 540_TT" pitchFamily="18" charset="-127"/>
-                <a:ea typeface="Yoon 윤고딕 540_TT" pitchFamily="18" charset="-127"/>
-              </a:rPr>
-              <a:t> </a:t>
+              <a:t>창작활동 </a:t>
             </a:r>
             <a:r>
               <a:rPr lang="ko-KR" altLang="en-US" sz="4000" b="1" dirty="0">
@@ -7745,6 +7642,64 @@
           </a:p>
         </p:txBody>
       </p:sp>
+      <p:pic>
+        <p:nvPicPr>
+          <p:cNvPr id="2" name="그림 1"/>
+          <p:cNvPicPr>
+            <a:picLocks noChangeAspect="1"/>
+          </p:cNvPicPr>
+          <p:nvPr/>
+        </p:nvPicPr>
+        <p:blipFill rotWithShape="1">
+          <a:blip r:embed="rId7" cstate="print">
+            <a:extLst>
+              <a:ext uri="{28A0092B-C50C-407E-A947-70E740481C1C}">
+                <a14:useLocalDpi xmlns:a14="http://schemas.microsoft.com/office/drawing/2010/main" val="0"/>
+              </a:ext>
+            </a:extLst>
+          </a:blip>
+          <a:srcRect l="7600" t="10498" r="7179" b="7886"/>
+          <a:stretch/>
+        </p:blipFill>
+        <p:spPr>
+          <a:xfrm>
+            <a:off x="11570005" y="17606249"/>
+            <a:ext cx="5114658" cy="4400985"/>
+          </a:xfrm>
+          <a:prstGeom prst="rect">
+            <a:avLst/>
+          </a:prstGeom>
+        </p:spPr>
+      </p:pic>
+      <p:pic>
+        <p:nvPicPr>
+          <p:cNvPr id="76" name="그림 75"/>
+          <p:cNvPicPr>
+            <a:picLocks noChangeAspect="1"/>
+          </p:cNvPicPr>
+          <p:nvPr/>
+        </p:nvPicPr>
+        <p:blipFill rotWithShape="1">
+          <a:blip r:embed="rId8" cstate="print">
+            <a:extLst>
+              <a:ext uri="{28A0092B-C50C-407E-A947-70E740481C1C}">
+                <a14:useLocalDpi xmlns:a14="http://schemas.microsoft.com/office/drawing/2010/main" val="0"/>
+              </a:ext>
+            </a:extLst>
+          </a:blip>
+          <a:srcRect l="16598" t="66895" r="42582" b="20377"/>
+          <a:stretch/>
+        </p:blipFill>
+        <p:spPr>
+          <a:xfrm>
+            <a:off x="14972171" y="19010028"/>
+            <a:ext cx="4890310" cy="1370048"/>
+          </a:xfrm>
+          <a:prstGeom prst="rect">
+            <a:avLst/>
+          </a:prstGeom>
+        </p:spPr>
+      </p:pic>
     </p:spTree>
     <p:extLst>
       <p:ext uri="{BB962C8B-B14F-4D97-AF65-F5344CB8AC3E}">
